--- a/Leçons/diapo/LP03.pptx
+++ b/Leçons/diapo/LP03.pptx
@@ -10,7 +10,8 @@
     <p:sldId id="266" r:id="rId4"/>
     <p:sldId id="267" r:id="rId5"/>
     <p:sldId id="268" r:id="rId6"/>
-    <p:sldId id="269" r:id="rId7"/>
+    <p:sldId id="270" r:id="rId7"/>
+    <p:sldId id="269" r:id="rId8"/>
   </p:sldIdLst>
   <p:sldSz cx="12192000" cy="6858000"/>
   <p:notesSz cx="6858000" cy="9144000"/>
@@ -248,7 +249,7 @@
           <a:p>
             <a:fld id="{C262451B-073C-4FAC-8D0B-6648421A7945}" type="datetimeFigureOut">
               <a:rPr lang="fr-FR" smtClean="0"/>
-              <a:t>19/04/2020</a:t>
+              <a:t>20/04/2020</a:t>
             </a:fld>
             <a:endParaRPr lang="fr-FR"/>
           </a:p>
@@ -418,7 +419,7 @@
           <a:p>
             <a:fld id="{C262451B-073C-4FAC-8D0B-6648421A7945}" type="datetimeFigureOut">
               <a:rPr lang="fr-FR" smtClean="0"/>
-              <a:t>19/04/2020</a:t>
+              <a:t>20/04/2020</a:t>
             </a:fld>
             <a:endParaRPr lang="fr-FR"/>
           </a:p>
@@ -598,7 +599,7 @@
           <a:p>
             <a:fld id="{C262451B-073C-4FAC-8D0B-6648421A7945}" type="datetimeFigureOut">
               <a:rPr lang="fr-FR" smtClean="0"/>
-              <a:t>19/04/2020</a:t>
+              <a:t>20/04/2020</a:t>
             </a:fld>
             <a:endParaRPr lang="fr-FR"/>
           </a:p>
@@ -768,7 +769,7 @@
           <a:p>
             <a:fld id="{C262451B-073C-4FAC-8D0B-6648421A7945}" type="datetimeFigureOut">
               <a:rPr lang="fr-FR" smtClean="0"/>
-              <a:t>19/04/2020</a:t>
+              <a:t>20/04/2020</a:t>
             </a:fld>
             <a:endParaRPr lang="fr-FR"/>
           </a:p>
@@ -1014,7 +1015,7 @@
           <a:p>
             <a:fld id="{C262451B-073C-4FAC-8D0B-6648421A7945}" type="datetimeFigureOut">
               <a:rPr lang="fr-FR" smtClean="0"/>
-              <a:t>19/04/2020</a:t>
+              <a:t>20/04/2020</a:t>
             </a:fld>
             <a:endParaRPr lang="fr-FR"/>
           </a:p>
@@ -1246,7 +1247,7 @@
           <a:p>
             <a:fld id="{C262451B-073C-4FAC-8D0B-6648421A7945}" type="datetimeFigureOut">
               <a:rPr lang="fr-FR" smtClean="0"/>
-              <a:t>19/04/2020</a:t>
+              <a:t>20/04/2020</a:t>
             </a:fld>
             <a:endParaRPr lang="fr-FR"/>
           </a:p>
@@ -1613,7 +1614,7 @@
           <a:p>
             <a:fld id="{C262451B-073C-4FAC-8D0B-6648421A7945}" type="datetimeFigureOut">
               <a:rPr lang="fr-FR" smtClean="0"/>
-              <a:t>19/04/2020</a:t>
+              <a:t>20/04/2020</a:t>
             </a:fld>
             <a:endParaRPr lang="fr-FR"/>
           </a:p>
@@ -1731,7 +1732,7 @@
           <a:p>
             <a:fld id="{C262451B-073C-4FAC-8D0B-6648421A7945}" type="datetimeFigureOut">
               <a:rPr lang="fr-FR" smtClean="0"/>
-              <a:t>19/04/2020</a:t>
+              <a:t>20/04/2020</a:t>
             </a:fld>
             <a:endParaRPr lang="fr-FR"/>
           </a:p>
@@ -1826,7 +1827,7 @@
           <a:p>
             <a:fld id="{C262451B-073C-4FAC-8D0B-6648421A7945}" type="datetimeFigureOut">
               <a:rPr lang="fr-FR" smtClean="0"/>
-              <a:t>19/04/2020</a:t>
+              <a:t>20/04/2020</a:t>
             </a:fld>
             <a:endParaRPr lang="fr-FR"/>
           </a:p>
@@ -2103,7 +2104,7 @@
           <a:p>
             <a:fld id="{C262451B-073C-4FAC-8D0B-6648421A7945}" type="datetimeFigureOut">
               <a:rPr lang="fr-FR" smtClean="0"/>
-              <a:t>19/04/2020</a:t>
+              <a:t>20/04/2020</a:t>
             </a:fld>
             <a:endParaRPr lang="fr-FR"/>
           </a:p>
@@ -2356,7 +2357,7 @@
           <a:p>
             <a:fld id="{C262451B-073C-4FAC-8D0B-6648421A7945}" type="datetimeFigureOut">
               <a:rPr lang="fr-FR" smtClean="0"/>
-              <a:t>19/04/2020</a:t>
+              <a:t>20/04/2020</a:t>
             </a:fld>
             <a:endParaRPr lang="fr-FR"/>
           </a:p>
@@ -2569,7 +2570,7 @@
           <a:p>
             <a:fld id="{C262451B-073C-4FAC-8D0B-6648421A7945}" type="datetimeFigureOut">
               <a:rPr lang="fr-FR" smtClean="0"/>
-              <a:t>19/04/2020</a:t>
+              <a:t>20/04/2020</a:t>
             </a:fld>
             <a:endParaRPr lang="fr-FR"/>
           </a:p>
@@ -3404,6 +3405,54 @@
           </a:fontRef>
         </p:style>
       </p:cxnSp>
+      <p:sp>
+        <p:nvSpPr>
+          <p:cNvPr id="3" name="Rectangle 2"/>
+          <p:cNvSpPr/>
+          <p:nvPr/>
+        </p:nvSpPr>
+        <p:spPr>
+          <a:xfrm>
+            <a:off x="1553881" y="3406589"/>
+            <a:ext cx="9084235" cy="1288032"/>
+          </a:xfrm>
+          <a:prstGeom prst="rect">
+            <a:avLst/>
+          </a:prstGeom>
+          <a:solidFill>
+            <a:schemeClr val="bg1">
+              <a:alpha val="80000"/>
+            </a:schemeClr>
+          </a:solidFill>
+          <a:ln>
+            <a:noFill/>
+          </a:ln>
+        </p:spPr>
+        <p:style>
+          <a:lnRef idx="2">
+            <a:schemeClr val="accent1">
+              <a:shade val="50000"/>
+            </a:schemeClr>
+          </a:lnRef>
+          <a:fillRef idx="1">
+            <a:schemeClr val="accent1"/>
+          </a:fillRef>
+          <a:effectRef idx="0">
+            <a:schemeClr val="accent1"/>
+          </a:effectRef>
+          <a:fontRef idx="minor">
+            <a:schemeClr val="lt1"/>
+          </a:fontRef>
+        </p:style>
+        <p:txBody>
+          <a:bodyPr rtlCol="0" anchor="ctr"/>
+          <a:lstStyle/>
+          <a:p>
+            <a:pPr algn="ctr"/>
+            <a:endParaRPr lang="fr-FR"/>
+          </a:p>
+        </p:txBody>
+      </p:sp>
       <mc:AlternateContent xmlns:mc="http://schemas.openxmlformats.org/markup-compatibility/2006" xmlns:a14="http://schemas.microsoft.com/office/drawing/2010/main">
         <mc:Choice Requires="a14">
           <p:graphicFrame>
@@ -4661,9 +4710,80 @@
   <p:timing>
     <p:tnLst>
       <p:par>
-        <p:cTn id="1" dur="indefinite" restart="never" nodeType="tmRoot"/>
+        <p:cTn id="1" dur="indefinite" restart="never" nodeType="tmRoot">
+          <p:childTnLst>
+            <p:seq concurrent="1" nextAc="seek">
+              <p:cTn id="2" dur="indefinite" nodeType="mainSeq">
+                <p:childTnLst>
+                  <p:par>
+                    <p:cTn id="3" fill="hold">
+                      <p:stCondLst>
+                        <p:cond delay="indefinite"/>
+                      </p:stCondLst>
+                      <p:childTnLst>
+                        <p:par>
+                          <p:cTn id="4" fill="hold">
+                            <p:stCondLst>
+                              <p:cond delay="0"/>
+                            </p:stCondLst>
+                            <p:childTnLst>
+                              <p:par>
+                                <p:cTn id="5" presetID="1" presetClass="exit" presetSubtype="0" fill="hold" grpId="0" nodeType="clickEffect">
+                                  <p:stCondLst>
+                                    <p:cond delay="0"/>
+                                  </p:stCondLst>
+                                  <p:childTnLst>
+                                    <p:set>
+                                      <p:cBhvr>
+                                        <p:cTn id="6" dur="1" fill="hold">
+                                          <p:stCondLst>
+                                            <p:cond delay="0"/>
+                                          </p:stCondLst>
+                                        </p:cTn>
+                                        <p:tgtEl>
+                                          <p:spTgt spid="3"/>
+                                        </p:tgtEl>
+                                        <p:attrNameLst>
+                                          <p:attrName>style.visibility</p:attrName>
+                                        </p:attrNameLst>
+                                      </p:cBhvr>
+                                      <p:to>
+                                        <p:strVal val="hidden"/>
+                                      </p:to>
+                                    </p:set>
+                                  </p:childTnLst>
+                                </p:cTn>
+                              </p:par>
+                            </p:childTnLst>
+                          </p:cTn>
+                        </p:par>
+                      </p:childTnLst>
+                    </p:cTn>
+                  </p:par>
+                </p:childTnLst>
+              </p:cTn>
+              <p:prevCondLst>
+                <p:cond evt="onPrev" delay="0">
+                  <p:tgtEl>
+                    <p:sldTgt/>
+                  </p:tgtEl>
+                </p:cond>
+              </p:prevCondLst>
+              <p:nextCondLst>
+                <p:cond evt="onNext" delay="0">
+                  <p:tgtEl>
+                    <p:sldTgt/>
+                  </p:tgtEl>
+                </p:cond>
+              </p:nextCondLst>
+            </p:seq>
+          </p:childTnLst>
+        </p:cTn>
       </p:par>
     </p:tnLst>
+    <p:bldLst>
+      <p:bldP spid="3" grpId="0" animBg="1"/>
+    </p:bldLst>
   </p:timing>
 </p:sld>
 </file>
@@ -4788,8 +4908,8 @@
           </a:fontRef>
         </p:style>
       </p:cxnSp>
-      <mc:AlternateContent xmlns:mc="http://schemas.openxmlformats.org/markup-compatibility/2006">
-        <mc:Choice xmlns:a14="http://schemas.microsoft.com/office/drawing/2010/main" Requires="a14">
+      <mc:AlternateContent xmlns:mc="http://schemas.openxmlformats.org/markup-compatibility/2006" xmlns:a14="http://schemas.microsoft.com/office/drawing/2010/main">
+        <mc:Choice Requires="a14">
           <p:graphicFrame>
             <p:nvGraphicFramePr>
               <p:cNvPr id="2" name="Tableau 1"/>
@@ -5712,7 +5832,7 @@
             </a:graphic>
           </p:graphicFrame>
         </mc:Choice>
-        <mc:Fallback>
+        <mc:Fallback xmlns="">
           <p:graphicFrame>
             <p:nvGraphicFramePr>
               <p:cNvPr id="2" name="Tableau 1"/>
@@ -6436,7 +6556,7 @@
 </file>
 
 <file path=ppt/slides/slide5.xml><?xml version="1.0" encoding="utf-8"?>
-<p:sld xmlns:a="http://schemas.openxmlformats.org/drawingml/2006/main" xmlns:r="http://schemas.openxmlformats.org/officeDocument/2006/relationships" xmlns:p="http://schemas.openxmlformats.org/presentationml/2006/main">
+<p:sld xmlns:a="http://schemas.openxmlformats.org/drawingml/2006/main" xmlns:r="http://schemas.openxmlformats.org/officeDocument/2006/relationships" xmlns:p="http://schemas.openxmlformats.org/presentationml/2006/main" show="0">
   <p:cSld>
     <p:spTree>
       <p:nvGrpSpPr>
@@ -8002,6 +8122,14 @@
   <p:clrMapOvr>
     <a:masterClrMapping/>
   </p:clrMapOvr>
+  <mc:AlternateContent xmlns:mc="http://schemas.openxmlformats.org/markup-compatibility/2006">
+    <mc:Choice xmlns:p14="http://schemas.microsoft.com/office/powerpoint/2010/main" Requires="p14">
+      <p:transition spd="slow" p14:dur="2000"/>
+    </mc:Choice>
+    <mc:Fallback>
+      <p:transition spd="slow"/>
+    </mc:Fallback>
+  </mc:AlternateContent>
   <p:timing>
     <p:tnLst>
       <p:par>
@@ -8343,6 +8471,733 @@
 </file>
 
 <file path=ppt/slides/slide6.xml><?xml version="1.0" encoding="utf-8"?>
+<p:sld xmlns:a="http://schemas.openxmlformats.org/drawingml/2006/main" xmlns:r="http://schemas.openxmlformats.org/officeDocument/2006/relationships" xmlns:p="http://schemas.openxmlformats.org/presentationml/2006/main">
+  <p:cSld>
+    <p:spTree>
+      <p:nvGrpSpPr>
+        <p:cNvPr id="1" name=""/>
+        <p:cNvGrpSpPr/>
+        <p:nvPr/>
+      </p:nvGrpSpPr>
+      <p:grpSpPr>
+        <a:xfrm>
+          <a:off x="0" y="0"/>
+          <a:ext cx="0" cy="0"/>
+          <a:chOff x="0" y="0"/>
+          <a:chExt cx="0" cy="0"/>
+        </a:xfrm>
+      </p:grpSpPr>
+      <p:sp>
+        <p:nvSpPr>
+          <p:cNvPr id="4" name="Titre 1"/>
+          <p:cNvSpPr txBox="1">
+            <a:spLocks/>
+          </p:cNvSpPr>
+          <p:nvPr/>
+        </p:nvSpPr>
+        <p:spPr>
+          <a:xfrm>
+            <a:off x="0" y="0"/>
+            <a:ext cx="12192000" cy="747252"/>
+          </a:xfrm>
+          <a:prstGeom prst="rect">
+            <a:avLst/>
+          </a:prstGeom>
+        </p:spPr>
+        <p:txBody>
+          <a:bodyPr vert="horz" lIns="91440" tIns="45720" rIns="91440" bIns="45720" rtlCol="0" anchor="ctr">
+            <a:normAutofit/>
+          </a:bodyPr>
+          <a:lstStyle>
+            <a:lvl1pPr algn="l" defTabSz="914400" rtl="0" eaLnBrk="1" latinLnBrk="0" hangingPunct="1">
+              <a:lnSpc>
+                <a:spcPct val="90000"/>
+              </a:lnSpc>
+              <a:spcBef>
+                <a:spcPct val="0"/>
+              </a:spcBef>
+              <a:buNone/>
+              <a:defRPr sz="4400" kern="1200">
+                <a:solidFill>
+                  <a:schemeClr val="tx1"/>
+                </a:solidFill>
+                <a:latin typeface="+mj-lt"/>
+                <a:ea typeface="+mj-ea"/>
+                <a:cs typeface="+mj-cs"/>
+              </a:defRPr>
+            </a:lvl1pPr>
+          </a:lstStyle>
+          <a:p>
+            <a:r>
+              <a:rPr lang="fr-FR" sz="3600" b="1" dirty="0" smtClean="0">
+                <a:solidFill>
+                  <a:srgbClr val="0070C0"/>
+                </a:solidFill>
+              </a:rPr>
+              <a:t>  Loi de Poiseuille et expérience de Reynolds</a:t>
+            </a:r>
+            <a:endParaRPr lang="fr-FR" sz="3600" dirty="0">
+              <a:solidFill>
+                <a:srgbClr val="0070C0"/>
+              </a:solidFill>
+            </a:endParaRPr>
+          </a:p>
+        </p:txBody>
+      </p:sp>
+      <p:cxnSp>
+        <p:nvCxnSpPr>
+          <p:cNvPr id="5" name="Connecteur droit 4"/>
+          <p:cNvCxnSpPr/>
+          <p:nvPr/>
+        </p:nvCxnSpPr>
+        <p:spPr>
+          <a:xfrm>
+            <a:off x="220983" y="747252"/>
+            <a:ext cx="11754707" cy="0"/>
+          </a:xfrm>
+          <a:prstGeom prst="line">
+            <a:avLst/>
+          </a:prstGeom>
+          <a:ln w="76200">
+            <a:gradFill flip="none" rotWithShape="1">
+              <a:gsLst>
+                <a:gs pos="0">
+                  <a:srgbClr val="0070C0"/>
+                </a:gs>
+                <a:gs pos="100000">
+                  <a:srgbClr val="0070C0">
+                    <a:alpha val="25000"/>
+                  </a:srgbClr>
+                </a:gs>
+              </a:gsLst>
+              <a:lin ang="0" scaled="1"/>
+              <a:tileRect/>
+            </a:gradFill>
+          </a:ln>
+        </p:spPr>
+        <p:style>
+          <a:lnRef idx="1">
+            <a:schemeClr val="accent1"/>
+          </a:lnRef>
+          <a:fillRef idx="0">
+            <a:schemeClr val="accent1"/>
+          </a:fillRef>
+          <a:effectRef idx="0">
+            <a:schemeClr val="accent1"/>
+          </a:effectRef>
+          <a:fontRef idx="minor">
+            <a:schemeClr val="tx1"/>
+          </a:fontRef>
+        </p:style>
+      </p:cxnSp>
+      <p:pic>
+        <p:nvPicPr>
+          <p:cNvPr id="10" name="Image 9"/>
+          <p:cNvPicPr>
+            <a:picLocks noChangeAspect="1"/>
+          </p:cNvPicPr>
+          <p:nvPr/>
+        </p:nvPicPr>
+        <p:blipFill>
+          <a:blip r:embed="rId2">
+            <a:extLst>
+              <a:ext uri="{28A0092B-C50C-407E-A947-70E740481C1C}">
+                <a14:useLocalDpi xmlns:a14="http://schemas.microsoft.com/office/drawing/2010/main" val="0"/>
+              </a:ext>
+            </a:extLst>
+          </a:blip>
+          <a:stretch>
+            <a:fillRect/>
+          </a:stretch>
+        </p:blipFill>
+        <p:spPr>
+          <a:xfrm>
+            <a:off x="2833248" y="1696938"/>
+            <a:ext cx="4876800" cy="3838575"/>
+          </a:xfrm>
+          <a:prstGeom prst="rect">
+            <a:avLst/>
+          </a:prstGeom>
+          <a:effectLst>
+            <a:outerShdw blurRad="50800" dist="38100" dir="2700000" algn="tl" rotWithShape="0">
+              <a:prstClr val="black">
+                <a:alpha val="40000"/>
+              </a:prstClr>
+            </a:outerShdw>
+          </a:effectLst>
+        </p:spPr>
+      </p:pic>
+      <mc:AlternateContent xmlns:mc="http://schemas.openxmlformats.org/markup-compatibility/2006">
+        <mc:Choice xmlns:a14="http://schemas.microsoft.com/office/drawing/2010/main" Requires="a14">
+          <p:sp>
+            <p:nvSpPr>
+              <p:cNvPr id="22" name="Rectangle 21"/>
+              <p:cNvSpPr/>
+              <p:nvPr/>
+            </p:nvSpPr>
+            <p:spPr>
+              <a:xfrm>
+                <a:off x="7796257" y="1997694"/>
+                <a:ext cx="1318246" cy="369332"/>
+              </a:xfrm>
+              <a:prstGeom prst="rect">
+                <a:avLst/>
+              </a:prstGeom>
+            </p:spPr>
+            <p:txBody>
+              <a:bodyPr wrap="none">
+                <a:spAutoFit/>
+              </a:bodyPr>
+              <a:lstStyle/>
+              <a:p>
+                <a:pPr/>
+                <a14:m>
+                  <m:oMathPara xmlns:m="http://schemas.openxmlformats.org/officeDocument/2006/math">
+                    <m:oMathParaPr>
+                      <m:jc m:val="centerGroup"/>
+                    </m:oMathParaPr>
+                    <m:oMath xmlns:m="http://schemas.openxmlformats.org/officeDocument/2006/math">
+                      <m:r>
+                        <a:rPr lang="fr-FR" i="1" smtClean="0">
+                          <a:solidFill>
+                            <a:schemeClr val="bg1">
+                              <a:lumMod val="50000"/>
+                            </a:schemeClr>
+                          </a:solidFill>
+                          <a:latin typeface="Cambria Math" panose="02040503050406030204" pitchFamily="18" charset="0"/>
+                        </a:rPr>
+                        <m:t>𝑅𝑒</m:t>
+                      </m:r>
+                      <m:r>
+                        <a:rPr lang="fr-FR" b="0" i="1" smtClean="0">
+                          <a:solidFill>
+                            <a:schemeClr val="bg1">
+                              <a:lumMod val="50000"/>
+                            </a:schemeClr>
+                          </a:solidFill>
+                          <a:latin typeface="Cambria Math" panose="02040503050406030204" pitchFamily="18" charset="0"/>
+                        </a:rPr>
+                        <m:t>&lt;2000</m:t>
+                      </m:r>
+                    </m:oMath>
+                  </m:oMathPara>
+                </a14:m>
+                <a:endParaRPr lang="fr-FR" dirty="0">
+                  <a:solidFill>
+                    <a:schemeClr val="bg1">
+                      <a:lumMod val="50000"/>
+                    </a:schemeClr>
+                  </a:solidFill>
+                </a:endParaRPr>
+              </a:p>
+            </p:txBody>
+          </p:sp>
+        </mc:Choice>
+        <mc:Fallback>
+          <p:sp>
+            <p:nvSpPr>
+              <p:cNvPr id="22" name="Rectangle 21"/>
+              <p:cNvSpPr>
+                <a:spLocks noRot="1" noChangeAspect="1" noMove="1" noResize="1" noEditPoints="1" noAdjustHandles="1" noChangeArrowheads="1" noChangeShapeType="1" noTextEdit="1"/>
+              </p:cNvSpPr>
+              <p:nvPr/>
+            </p:nvSpPr>
+            <p:spPr>
+              <a:xfrm>
+                <a:off x="7796257" y="1997694"/>
+                <a:ext cx="1318246" cy="369332"/>
+              </a:xfrm>
+              <a:prstGeom prst="rect">
+                <a:avLst/>
+              </a:prstGeom>
+              <a:blipFill rotWithShape="0">
+                <a:blip r:embed="rId3"/>
+                <a:stretch>
+                  <a:fillRect/>
+                </a:stretch>
+              </a:blipFill>
+            </p:spPr>
+            <p:txBody>
+              <a:bodyPr/>
+              <a:lstStyle/>
+              <a:p>
+                <a:r>
+                  <a:rPr lang="fr-FR">
+                    <a:noFill/>
+                  </a:rPr>
+                  <a:t> </a:t>
+                </a:r>
+              </a:p>
+            </p:txBody>
+          </p:sp>
+        </mc:Fallback>
+      </mc:AlternateContent>
+      <mc:AlternateContent xmlns:mc="http://schemas.openxmlformats.org/markup-compatibility/2006">
+        <mc:Choice xmlns:a14="http://schemas.microsoft.com/office/drawing/2010/main" Requires="a14">
+          <p:sp>
+            <p:nvSpPr>
+              <p:cNvPr id="23" name="Rectangle 22"/>
+              <p:cNvSpPr/>
+              <p:nvPr/>
+            </p:nvSpPr>
+            <p:spPr>
+              <a:xfrm>
+                <a:off x="7799464" y="3417537"/>
+                <a:ext cx="1315039" cy="369332"/>
+              </a:xfrm>
+              <a:prstGeom prst="rect">
+                <a:avLst/>
+              </a:prstGeom>
+            </p:spPr>
+            <p:txBody>
+              <a:bodyPr wrap="none">
+                <a:spAutoFit/>
+              </a:bodyPr>
+              <a:lstStyle/>
+              <a:p>
+                <a:pPr/>
+                <a14:m>
+                  <m:oMathPara xmlns:m="http://schemas.openxmlformats.org/officeDocument/2006/math">
+                    <m:oMathParaPr>
+                      <m:jc m:val="centerGroup"/>
+                    </m:oMathParaPr>
+                    <m:oMath xmlns:m="http://schemas.openxmlformats.org/officeDocument/2006/math">
+                      <m:r>
+                        <a:rPr lang="fr-FR" i="1" smtClean="0">
+                          <a:solidFill>
+                            <a:schemeClr val="bg1">
+                              <a:lumMod val="50000"/>
+                            </a:schemeClr>
+                          </a:solidFill>
+                          <a:latin typeface="Cambria Math" panose="02040503050406030204" pitchFamily="18" charset="0"/>
+                        </a:rPr>
+                        <m:t>𝑅</m:t>
+                      </m:r>
+                      <m:r>
+                        <a:rPr lang="fr-FR" b="0" i="1" smtClean="0">
+                          <a:solidFill>
+                            <a:schemeClr val="bg1">
+                              <a:lumMod val="50000"/>
+                            </a:schemeClr>
+                          </a:solidFill>
+                          <a:latin typeface="Cambria Math" panose="02040503050406030204" pitchFamily="18" charset="0"/>
+                        </a:rPr>
+                        <m:t>𝑒</m:t>
+                      </m:r>
+                      <m:r>
+                        <a:rPr lang="fr-FR" b="0" i="1" smtClean="0">
+                          <a:solidFill>
+                            <a:schemeClr val="bg1">
+                              <a:lumMod val="50000"/>
+                            </a:schemeClr>
+                          </a:solidFill>
+                          <a:latin typeface="Cambria Math" panose="02040503050406030204" pitchFamily="18" charset="0"/>
+                        </a:rPr>
+                        <m:t>≈2000</m:t>
+                      </m:r>
+                    </m:oMath>
+                  </m:oMathPara>
+                </a14:m>
+                <a:endParaRPr lang="fr-FR" dirty="0">
+                  <a:solidFill>
+                    <a:schemeClr val="bg1">
+                      <a:lumMod val="50000"/>
+                    </a:schemeClr>
+                  </a:solidFill>
+                </a:endParaRPr>
+              </a:p>
+            </p:txBody>
+          </p:sp>
+        </mc:Choice>
+        <mc:Fallback>
+          <p:sp>
+            <p:nvSpPr>
+              <p:cNvPr id="23" name="Rectangle 22"/>
+              <p:cNvSpPr>
+                <a:spLocks noRot="1" noChangeAspect="1" noMove="1" noResize="1" noEditPoints="1" noAdjustHandles="1" noChangeArrowheads="1" noChangeShapeType="1" noTextEdit="1"/>
+              </p:cNvSpPr>
+              <p:nvPr/>
+            </p:nvSpPr>
+            <p:spPr>
+              <a:xfrm>
+                <a:off x="7799464" y="3417537"/>
+                <a:ext cx="1315039" cy="369332"/>
+              </a:xfrm>
+              <a:prstGeom prst="rect">
+                <a:avLst/>
+              </a:prstGeom>
+              <a:blipFill rotWithShape="0">
+                <a:blip r:embed="rId4"/>
+                <a:stretch>
+                  <a:fillRect/>
+                </a:stretch>
+              </a:blipFill>
+            </p:spPr>
+            <p:txBody>
+              <a:bodyPr/>
+              <a:lstStyle/>
+              <a:p>
+                <a:r>
+                  <a:rPr lang="fr-FR">
+                    <a:noFill/>
+                  </a:rPr>
+                  <a:t> </a:t>
+                </a:r>
+              </a:p>
+            </p:txBody>
+          </p:sp>
+        </mc:Fallback>
+      </mc:AlternateContent>
+      <mc:AlternateContent xmlns:mc="http://schemas.openxmlformats.org/markup-compatibility/2006">
+        <mc:Choice xmlns:a14="http://schemas.microsoft.com/office/drawing/2010/main" Requires="a14">
+          <p:sp>
+            <p:nvSpPr>
+              <p:cNvPr id="24" name="Rectangle 23"/>
+              <p:cNvSpPr/>
+              <p:nvPr/>
+            </p:nvSpPr>
+            <p:spPr>
+              <a:xfrm>
+                <a:off x="7796257" y="4837380"/>
+                <a:ext cx="1318246" cy="369332"/>
+              </a:xfrm>
+              <a:prstGeom prst="rect">
+                <a:avLst/>
+              </a:prstGeom>
+            </p:spPr>
+            <p:txBody>
+              <a:bodyPr wrap="none">
+                <a:spAutoFit/>
+              </a:bodyPr>
+              <a:lstStyle/>
+              <a:p>
+                <a:pPr/>
+                <a14:m>
+                  <m:oMathPara xmlns:m="http://schemas.openxmlformats.org/officeDocument/2006/math">
+                    <m:oMathParaPr>
+                      <m:jc m:val="centerGroup"/>
+                    </m:oMathParaPr>
+                    <m:oMath xmlns:m="http://schemas.openxmlformats.org/officeDocument/2006/math">
+                      <m:r>
+                        <a:rPr lang="fr-FR" i="1" smtClean="0">
+                          <a:solidFill>
+                            <a:schemeClr val="bg1">
+                              <a:lumMod val="50000"/>
+                            </a:schemeClr>
+                          </a:solidFill>
+                          <a:latin typeface="Cambria Math" panose="02040503050406030204" pitchFamily="18" charset="0"/>
+                        </a:rPr>
+                        <m:t>𝑅𝑒</m:t>
+                      </m:r>
+                      <m:r>
+                        <a:rPr lang="fr-FR" b="0" i="1" smtClean="0">
+                          <a:solidFill>
+                            <a:schemeClr val="bg1">
+                              <a:lumMod val="50000"/>
+                            </a:schemeClr>
+                          </a:solidFill>
+                          <a:latin typeface="Cambria Math" panose="02040503050406030204" pitchFamily="18" charset="0"/>
+                        </a:rPr>
+                        <m:t>&gt;2000</m:t>
+                      </m:r>
+                    </m:oMath>
+                  </m:oMathPara>
+                </a14:m>
+                <a:endParaRPr lang="fr-FR" dirty="0">
+                  <a:solidFill>
+                    <a:schemeClr val="bg1">
+                      <a:lumMod val="50000"/>
+                    </a:schemeClr>
+                  </a:solidFill>
+                </a:endParaRPr>
+              </a:p>
+            </p:txBody>
+          </p:sp>
+        </mc:Choice>
+        <mc:Fallback>
+          <p:sp>
+            <p:nvSpPr>
+              <p:cNvPr id="24" name="Rectangle 23"/>
+              <p:cNvSpPr>
+                <a:spLocks noRot="1" noChangeAspect="1" noMove="1" noResize="1" noEditPoints="1" noAdjustHandles="1" noChangeArrowheads="1" noChangeShapeType="1" noTextEdit="1"/>
+              </p:cNvSpPr>
+              <p:nvPr/>
+            </p:nvSpPr>
+            <p:spPr>
+              <a:xfrm>
+                <a:off x="7796257" y="4837380"/>
+                <a:ext cx="1318246" cy="369332"/>
+              </a:xfrm>
+              <a:prstGeom prst="rect">
+                <a:avLst/>
+              </a:prstGeom>
+              <a:blipFill rotWithShape="0">
+                <a:blip r:embed="rId5"/>
+                <a:stretch>
+                  <a:fillRect/>
+                </a:stretch>
+              </a:blipFill>
+            </p:spPr>
+            <p:txBody>
+              <a:bodyPr/>
+              <a:lstStyle/>
+              <a:p>
+                <a:r>
+                  <a:rPr lang="fr-FR">
+                    <a:noFill/>
+                  </a:rPr>
+                  <a:t> </a:t>
+                </a:r>
+              </a:p>
+            </p:txBody>
+          </p:sp>
+        </mc:Fallback>
+      </mc:AlternateContent>
+      <p:sp>
+        <p:nvSpPr>
+          <p:cNvPr id="25" name="ZoneTexte 24"/>
+          <p:cNvSpPr txBox="1"/>
+          <p:nvPr/>
+        </p:nvSpPr>
+        <p:spPr>
+          <a:xfrm>
+            <a:off x="11467122" y="6485201"/>
+            <a:ext cx="724878" cy="369332"/>
+          </a:xfrm>
+          <a:prstGeom prst="rect">
+            <a:avLst/>
+          </a:prstGeom>
+          <a:noFill/>
+        </p:spPr>
+        <p:txBody>
+          <a:bodyPr wrap="none" rtlCol="0">
+            <a:spAutoFit/>
+          </a:bodyPr>
+          <a:lstStyle/>
+          <a:p>
+            <a:r>
+              <a:rPr lang="fr-FR" i="1" dirty="0" err="1" smtClean="0">
+                <a:solidFill>
+                  <a:schemeClr val="bg1">
+                    <a:lumMod val="50000"/>
+                  </a:schemeClr>
+                </a:solidFill>
+              </a:rPr>
+              <a:t>Cnam</a:t>
+            </a:r>
+            <a:endParaRPr lang="fr-FR" i="1" dirty="0">
+              <a:solidFill>
+                <a:schemeClr val="bg1">
+                  <a:lumMod val="50000"/>
+                </a:schemeClr>
+              </a:solidFill>
+            </a:endParaRPr>
+          </a:p>
+        </p:txBody>
+      </p:sp>
+    </p:spTree>
+    <p:extLst>
+      <p:ext uri="{BB962C8B-B14F-4D97-AF65-F5344CB8AC3E}">
+        <p14:creationId xmlns:p14="http://schemas.microsoft.com/office/powerpoint/2010/main" val="205936399"/>
+      </p:ext>
+    </p:extLst>
+  </p:cSld>
+  <p:clrMapOvr>
+    <a:masterClrMapping/>
+  </p:clrMapOvr>
+  <p:timing>
+    <p:tnLst>
+      <p:par>
+        <p:cTn id="1" dur="indefinite" restart="never" nodeType="tmRoot">
+          <p:childTnLst>
+            <p:seq concurrent="1" nextAc="seek">
+              <p:cTn id="2" dur="indefinite" nodeType="mainSeq">
+                <p:childTnLst>
+                  <p:par>
+                    <p:cTn id="3" fill="hold">
+                      <p:stCondLst>
+                        <p:cond delay="indefinite"/>
+                      </p:stCondLst>
+                      <p:childTnLst>
+                        <p:par>
+                          <p:cTn id="4" fill="hold">
+                            <p:stCondLst>
+                              <p:cond delay="0"/>
+                            </p:stCondLst>
+                            <p:childTnLst>
+                              <p:par>
+                                <p:cTn id="5" presetID="1" presetClass="entr" presetSubtype="0" fill="hold" nodeType="clickEffect">
+                                  <p:stCondLst>
+                                    <p:cond delay="0"/>
+                                  </p:stCondLst>
+                                  <p:childTnLst>
+                                    <p:set>
+                                      <p:cBhvr>
+                                        <p:cTn id="6" dur="1" fill="hold">
+                                          <p:stCondLst>
+                                            <p:cond delay="0"/>
+                                          </p:stCondLst>
+                                        </p:cTn>
+                                        <p:tgtEl>
+                                          <p:spTgt spid="10"/>
+                                        </p:tgtEl>
+                                        <p:attrNameLst>
+                                          <p:attrName>style.visibility</p:attrName>
+                                        </p:attrNameLst>
+                                      </p:cBhvr>
+                                      <p:to>
+                                        <p:strVal val="visible"/>
+                                      </p:to>
+                                    </p:set>
+                                  </p:childTnLst>
+                                </p:cTn>
+                              </p:par>
+                              <p:par>
+                                <p:cTn id="7" presetID="1" presetClass="entr" presetSubtype="0" fill="hold" grpId="0" nodeType="withEffect">
+                                  <p:stCondLst>
+                                    <p:cond delay="0"/>
+                                  </p:stCondLst>
+                                  <p:childTnLst>
+                                    <p:set>
+                                      <p:cBhvr>
+                                        <p:cTn id="8" dur="1" fill="hold">
+                                          <p:stCondLst>
+                                            <p:cond delay="0"/>
+                                          </p:stCondLst>
+                                        </p:cTn>
+                                        <p:tgtEl>
+                                          <p:spTgt spid="22"/>
+                                        </p:tgtEl>
+                                        <p:attrNameLst>
+                                          <p:attrName>style.visibility</p:attrName>
+                                        </p:attrNameLst>
+                                      </p:cBhvr>
+                                      <p:to>
+                                        <p:strVal val="visible"/>
+                                      </p:to>
+                                    </p:set>
+                                  </p:childTnLst>
+                                </p:cTn>
+                              </p:par>
+                              <p:par>
+                                <p:cTn id="9" presetID="1" presetClass="entr" presetSubtype="0" fill="hold" grpId="0" nodeType="withEffect">
+                                  <p:stCondLst>
+                                    <p:cond delay="0"/>
+                                  </p:stCondLst>
+                                  <p:childTnLst>
+                                    <p:set>
+                                      <p:cBhvr>
+                                        <p:cTn id="10" dur="1" fill="hold">
+                                          <p:stCondLst>
+                                            <p:cond delay="0"/>
+                                          </p:stCondLst>
+                                        </p:cTn>
+                                        <p:tgtEl>
+                                          <p:spTgt spid="23"/>
+                                        </p:tgtEl>
+                                        <p:attrNameLst>
+                                          <p:attrName>style.visibility</p:attrName>
+                                        </p:attrNameLst>
+                                      </p:cBhvr>
+                                      <p:to>
+                                        <p:strVal val="visible"/>
+                                      </p:to>
+                                    </p:set>
+                                  </p:childTnLst>
+                                </p:cTn>
+                              </p:par>
+                              <p:par>
+                                <p:cTn id="11" presetID="1" presetClass="entr" presetSubtype="0" fill="hold" grpId="0" nodeType="withEffect">
+                                  <p:stCondLst>
+                                    <p:cond delay="0"/>
+                                  </p:stCondLst>
+                                  <p:childTnLst>
+                                    <p:set>
+                                      <p:cBhvr>
+                                        <p:cTn id="12" dur="1" fill="hold">
+                                          <p:stCondLst>
+                                            <p:cond delay="0"/>
+                                          </p:stCondLst>
+                                        </p:cTn>
+                                        <p:tgtEl>
+                                          <p:spTgt spid="24"/>
+                                        </p:tgtEl>
+                                        <p:attrNameLst>
+                                          <p:attrName>style.visibility</p:attrName>
+                                        </p:attrNameLst>
+                                      </p:cBhvr>
+                                      <p:to>
+                                        <p:strVal val="visible"/>
+                                      </p:to>
+                                    </p:set>
+                                  </p:childTnLst>
+                                </p:cTn>
+                              </p:par>
+                              <p:par>
+                                <p:cTn id="13" presetID="1" presetClass="entr" presetSubtype="0" fill="hold" grpId="0" nodeType="withEffect">
+                                  <p:stCondLst>
+                                    <p:cond delay="0"/>
+                                  </p:stCondLst>
+                                  <p:childTnLst>
+                                    <p:set>
+                                      <p:cBhvr>
+                                        <p:cTn id="14" dur="1" fill="hold">
+                                          <p:stCondLst>
+                                            <p:cond delay="0"/>
+                                          </p:stCondLst>
+                                        </p:cTn>
+                                        <p:tgtEl>
+                                          <p:spTgt spid="25"/>
+                                        </p:tgtEl>
+                                        <p:attrNameLst>
+                                          <p:attrName>style.visibility</p:attrName>
+                                        </p:attrNameLst>
+                                      </p:cBhvr>
+                                      <p:to>
+                                        <p:strVal val="visible"/>
+                                      </p:to>
+                                    </p:set>
+                                  </p:childTnLst>
+                                </p:cTn>
+                              </p:par>
+                            </p:childTnLst>
+                          </p:cTn>
+                        </p:par>
+                      </p:childTnLst>
+                    </p:cTn>
+                  </p:par>
+                </p:childTnLst>
+              </p:cTn>
+              <p:prevCondLst>
+                <p:cond evt="onPrev" delay="0">
+                  <p:tgtEl>
+                    <p:sldTgt/>
+                  </p:tgtEl>
+                </p:cond>
+              </p:prevCondLst>
+              <p:nextCondLst>
+                <p:cond evt="onNext" delay="0">
+                  <p:tgtEl>
+                    <p:sldTgt/>
+                  </p:tgtEl>
+                </p:cond>
+              </p:nextCondLst>
+            </p:seq>
+          </p:childTnLst>
+        </p:cTn>
+      </p:par>
+    </p:tnLst>
+    <p:bldLst>
+      <p:bldP spid="22" grpId="0"/>
+      <p:bldP spid="23" grpId="0"/>
+      <p:bldP spid="24" grpId="0"/>
+      <p:bldP spid="25" grpId="0"/>
+    </p:bldLst>
+  </p:timing>
+</p:sld>
+</file>
+
+<file path=ppt/slides/slide7.xml><?xml version="1.0" encoding="utf-8"?>
 <p:sld xmlns:a="http://schemas.openxmlformats.org/drawingml/2006/main" xmlns:r="http://schemas.openxmlformats.org/officeDocument/2006/relationships" xmlns:p="http://schemas.openxmlformats.org/presentationml/2006/main">
   <p:cSld>
     <p:spTree>

--- a/Leçons/diapo/LP03.pptx
+++ b/Leçons/diapo/LP03.pptx
@@ -249,7 +249,7 @@
           <a:p>
             <a:fld id="{C262451B-073C-4FAC-8D0B-6648421A7945}" type="datetimeFigureOut">
               <a:rPr lang="fr-FR" smtClean="0"/>
-              <a:t>20/04/2020</a:t>
+              <a:t>22/04/2020</a:t>
             </a:fld>
             <a:endParaRPr lang="fr-FR"/>
           </a:p>
@@ -419,7 +419,7 @@
           <a:p>
             <a:fld id="{C262451B-073C-4FAC-8D0B-6648421A7945}" type="datetimeFigureOut">
               <a:rPr lang="fr-FR" smtClean="0"/>
-              <a:t>20/04/2020</a:t>
+              <a:t>22/04/2020</a:t>
             </a:fld>
             <a:endParaRPr lang="fr-FR"/>
           </a:p>
@@ -599,7 +599,7 @@
           <a:p>
             <a:fld id="{C262451B-073C-4FAC-8D0B-6648421A7945}" type="datetimeFigureOut">
               <a:rPr lang="fr-FR" smtClean="0"/>
-              <a:t>20/04/2020</a:t>
+              <a:t>22/04/2020</a:t>
             </a:fld>
             <a:endParaRPr lang="fr-FR"/>
           </a:p>
@@ -769,7 +769,7 @@
           <a:p>
             <a:fld id="{C262451B-073C-4FAC-8D0B-6648421A7945}" type="datetimeFigureOut">
               <a:rPr lang="fr-FR" smtClean="0"/>
-              <a:t>20/04/2020</a:t>
+              <a:t>22/04/2020</a:t>
             </a:fld>
             <a:endParaRPr lang="fr-FR"/>
           </a:p>
@@ -1015,7 +1015,7 @@
           <a:p>
             <a:fld id="{C262451B-073C-4FAC-8D0B-6648421A7945}" type="datetimeFigureOut">
               <a:rPr lang="fr-FR" smtClean="0"/>
-              <a:t>20/04/2020</a:t>
+              <a:t>22/04/2020</a:t>
             </a:fld>
             <a:endParaRPr lang="fr-FR"/>
           </a:p>
@@ -1247,7 +1247,7 @@
           <a:p>
             <a:fld id="{C262451B-073C-4FAC-8D0B-6648421A7945}" type="datetimeFigureOut">
               <a:rPr lang="fr-FR" smtClean="0"/>
-              <a:t>20/04/2020</a:t>
+              <a:t>22/04/2020</a:t>
             </a:fld>
             <a:endParaRPr lang="fr-FR"/>
           </a:p>
@@ -1614,7 +1614,7 @@
           <a:p>
             <a:fld id="{C262451B-073C-4FAC-8D0B-6648421A7945}" type="datetimeFigureOut">
               <a:rPr lang="fr-FR" smtClean="0"/>
-              <a:t>20/04/2020</a:t>
+              <a:t>22/04/2020</a:t>
             </a:fld>
             <a:endParaRPr lang="fr-FR"/>
           </a:p>
@@ -1732,7 +1732,7 @@
           <a:p>
             <a:fld id="{C262451B-073C-4FAC-8D0B-6648421A7945}" type="datetimeFigureOut">
               <a:rPr lang="fr-FR" smtClean="0"/>
-              <a:t>20/04/2020</a:t>
+              <a:t>22/04/2020</a:t>
             </a:fld>
             <a:endParaRPr lang="fr-FR"/>
           </a:p>
@@ -1827,7 +1827,7 @@
           <a:p>
             <a:fld id="{C262451B-073C-4FAC-8D0B-6648421A7945}" type="datetimeFigureOut">
               <a:rPr lang="fr-FR" smtClean="0"/>
-              <a:t>20/04/2020</a:t>
+              <a:t>22/04/2020</a:t>
             </a:fld>
             <a:endParaRPr lang="fr-FR"/>
           </a:p>
@@ -2104,7 +2104,7 @@
           <a:p>
             <a:fld id="{C262451B-073C-4FAC-8D0B-6648421A7945}" type="datetimeFigureOut">
               <a:rPr lang="fr-FR" smtClean="0"/>
-              <a:t>20/04/2020</a:t>
+              <a:t>22/04/2020</a:t>
             </a:fld>
             <a:endParaRPr lang="fr-FR"/>
           </a:p>
@@ -2357,7 +2357,7 @@
           <a:p>
             <a:fld id="{C262451B-073C-4FAC-8D0B-6648421A7945}" type="datetimeFigureOut">
               <a:rPr lang="fr-FR" smtClean="0"/>
-              <a:t>20/04/2020</a:t>
+              <a:t>22/04/2020</a:t>
             </a:fld>
             <a:endParaRPr lang="fr-FR"/>
           </a:p>
@@ -2570,7 +2570,7 @@
           <a:p>
             <a:fld id="{C262451B-073C-4FAC-8D0B-6648421A7945}" type="datetimeFigureOut">
               <a:rPr lang="fr-FR" smtClean="0"/>
-              <a:t>20/04/2020</a:t>
+              <a:t>22/04/2020</a:t>
             </a:fld>
             <a:endParaRPr lang="fr-FR"/>
           </a:p>
@@ -8122,11 +8122,11 @@
   <p:clrMapOvr>
     <a:masterClrMapping/>
   </p:clrMapOvr>
-  <mc:AlternateContent xmlns:mc="http://schemas.openxmlformats.org/markup-compatibility/2006">
-    <mc:Choice xmlns:p14="http://schemas.microsoft.com/office/powerpoint/2010/main" Requires="p14">
+  <mc:AlternateContent xmlns:mc="http://schemas.openxmlformats.org/markup-compatibility/2006" xmlns:p14="http://schemas.microsoft.com/office/powerpoint/2010/main">
+    <mc:Choice Requires="p14">
       <p:transition spd="slow" p14:dur="2000"/>
     </mc:Choice>
-    <mc:Fallback>
+    <mc:Fallback xmlns="">
       <p:transition spd="slow"/>
     </mc:Fallback>
   </mc:AlternateContent>
@@ -8471,7 +8471,7 @@
 </file>
 
 <file path=ppt/slides/slide6.xml><?xml version="1.0" encoding="utf-8"?>
-<p:sld xmlns:a="http://schemas.openxmlformats.org/drawingml/2006/main" xmlns:r="http://schemas.openxmlformats.org/officeDocument/2006/relationships" xmlns:p="http://schemas.openxmlformats.org/presentationml/2006/main">
+<p:sld xmlns:a="http://schemas.openxmlformats.org/drawingml/2006/main" xmlns:r="http://schemas.openxmlformats.org/officeDocument/2006/relationships" xmlns:p="http://schemas.openxmlformats.org/presentationml/2006/main" show="0">
   <p:cSld>
     <p:spTree>
       <p:nvGrpSpPr>
@@ -8627,8 +8627,8 @@
           </a:effectLst>
         </p:spPr>
       </p:pic>
-      <mc:AlternateContent xmlns:mc="http://schemas.openxmlformats.org/markup-compatibility/2006">
-        <mc:Choice xmlns:a14="http://schemas.microsoft.com/office/drawing/2010/main" Requires="a14">
+      <mc:AlternateContent xmlns:mc="http://schemas.openxmlformats.org/markup-compatibility/2006" xmlns:a14="http://schemas.microsoft.com/office/drawing/2010/main">
+        <mc:Choice Requires="a14">
           <p:sp>
             <p:nvSpPr>
               <p:cNvPr id="22" name="Rectangle 21"/>
@@ -8693,7 +8693,7 @@
             </p:txBody>
           </p:sp>
         </mc:Choice>
-        <mc:Fallback>
+        <mc:Fallback xmlns="">
           <p:sp>
             <p:nvSpPr>
               <p:cNvPr id="22" name="Rectangle 21"/>
@@ -8732,8 +8732,8 @@
           </p:sp>
         </mc:Fallback>
       </mc:AlternateContent>
-      <mc:AlternateContent xmlns:mc="http://schemas.openxmlformats.org/markup-compatibility/2006">
-        <mc:Choice xmlns:a14="http://schemas.microsoft.com/office/drawing/2010/main" Requires="a14">
+      <mc:AlternateContent xmlns:mc="http://schemas.openxmlformats.org/markup-compatibility/2006" xmlns:a14="http://schemas.microsoft.com/office/drawing/2010/main">
+        <mc:Choice Requires="a14">
           <p:sp>
             <p:nvSpPr>
               <p:cNvPr id="23" name="Rectangle 22"/>
@@ -8809,7 +8809,7 @@
             </p:txBody>
           </p:sp>
         </mc:Choice>
-        <mc:Fallback>
+        <mc:Fallback xmlns="">
           <p:sp>
             <p:nvSpPr>
               <p:cNvPr id="23" name="Rectangle 22"/>
@@ -8848,8 +8848,8 @@
           </p:sp>
         </mc:Fallback>
       </mc:AlternateContent>
-      <mc:AlternateContent xmlns:mc="http://schemas.openxmlformats.org/markup-compatibility/2006">
-        <mc:Choice xmlns:a14="http://schemas.microsoft.com/office/drawing/2010/main" Requires="a14">
+      <mc:AlternateContent xmlns:mc="http://schemas.openxmlformats.org/markup-compatibility/2006" xmlns:a14="http://schemas.microsoft.com/office/drawing/2010/main">
+        <mc:Choice Requires="a14">
           <p:sp>
             <p:nvSpPr>
               <p:cNvPr id="24" name="Rectangle 23"/>
@@ -8914,7 +8914,7 @@
             </p:txBody>
           </p:sp>
         </mc:Choice>
-        <mc:Fallback>
+        <mc:Fallback xmlns="">
           <p:sp>
             <p:nvSpPr>
               <p:cNvPr id="24" name="Rectangle 23"/>
@@ -9005,6 +9005,14 @@
   <p:clrMapOvr>
     <a:masterClrMapping/>
   </p:clrMapOvr>
+  <mc:AlternateContent xmlns:mc="http://schemas.openxmlformats.org/markup-compatibility/2006">
+    <mc:Choice xmlns:p14="http://schemas.microsoft.com/office/powerpoint/2010/main" Requires="p14">
+      <p:transition spd="slow" p14:dur="2000"/>
+    </mc:Choice>
+    <mc:Fallback>
+      <p:transition spd="slow"/>
+    </mc:Fallback>
+  </mc:AlternateContent>
   <p:timing>
     <p:tnLst>
       <p:par>
